--- a/Web-based-Automated-Clearance-Management-System-using-QR-3.pptx1.pptx
+++ b/Web-based-Automated-Clearance-Management-System-using-QR-3.pptx1.pptx
@@ -14,8 +14,8 @@
     <p:sldId id="259" r:id="rId5"/>
     <p:sldId id="265" r:id="rId6"/>
     <p:sldId id="260" r:id="rId7"/>
-    <p:sldId id="267" r:id="rId8"/>
-    <p:sldId id="261" r:id="rId9"/>
+    <p:sldId id="261" r:id="rId8"/>
+    <p:sldId id="267" r:id="rId9"/>
     <p:sldId id="271" r:id="rId10"/>
     <p:sldId id="264" r:id="rId11"/>
     <p:sldId id="262" r:id="rId12"/>
@@ -220,7 +220,7 @@
           <a:p>
             <a:fld id="{FE3C699E-91EC-40FD-8E57-E247727A3E30}" type="datetimeFigureOut">
               <a:rPr lang="en-PH" smtClean="0"/>
-              <a:t>20/11/2022</a:t>
+              <a:t>21/11/2022</a:t>
             </a:fld>
             <a:endParaRPr lang="en-PH"/>
           </a:p>
@@ -738,7 +738,7 @@
           <a:p>
             <a:fld id="{E103EE1B-1EEB-4E2A-AD52-E867674104CA}" type="datetimeFigureOut">
               <a:rPr lang="en-PH" smtClean="0"/>
-              <a:t>20/11/2022</a:t>
+              <a:t>21/11/2022</a:t>
             </a:fld>
             <a:endParaRPr lang="en-PH"/>
           </a:p>
@@ -908,7 +908,7 @@
           <a:p>
             <a:fld id="{E103EE1B-1EEB-4E2A-AD52-E867674104CA}" type="datetimeFigureOut">
               <a:rPr lang="en-PH" smtClean="0"/>
-              <a:t>20/11/2022</a:t>
+              <a:t>21/11/2022</a:t>
             </a:fld>
             <a:endParaRPr lang="en-PH"/>
           </a:p>
@@ -1088,7 +1088,7 @@
           <a:p>
             <a:fld id="{E103EE1B-1EEB-4E2A-AD52-E867674104CA}" type="datetimeFigureOut">
               <a:rPr lang="en-PH" smtClean="0"/>
-              <a:t>20/11/2022</a:t>
+              <a:t>21/11/2022</a:t>
             </a:fld>
             <a:endParaRPr lang="en-PH"/>
           </a:p>
@@ -1258,7 +1258,7 @@
           <a:p>
             <a:fld id="{E103EE1B-1EEB-4E2A-AD52-E867674104CA}" type="datetimeFigureOut">
               <a:rPr lang="en-PH" smtClean="0"/>
-              <a:t>20/11/2022</a:t>
+              <a:t>21/11/2022</a:t>
             </a:fld>
             <a:endParaRPr lang="en-PH"/>
           </a:p>
@@ -1526,7 +1526,7 @@
           <a:p>
             <a:fld id="{E103EE1B-1EEB-4E2A-AD52-E867674104CA}" type="datetimeFigureOut">
               <a:rPr lang="en-PH" smtClean="0"/>
-              <a:t>20/11/2022</a:t>
+              <a:t>21/11/2022</a:t>
             </a:fld>
             <a:endParaRPr lang="en-PH"/>
           </a:p>
@@ -1758,7 +1758,7 @@
           <a:p>
             <a:fld id="{E103EE1B-1EEB-4E2A-AD52-E867674104CA}" type="datetimeFigureOut">
               <a:rPr lang="en-PH" smtClean="0"/>
-              <a:t>20/11/2022</a:t>
+              <a:t>21/11/2022</a:t>
             </a:fld>
             <a:endParaRPr lang="en-PH"/>
           </a:p>
@@ -2117,7 +2117,7 @@
           <a:p>
             <a:fld id="{E103EE1B-1EEB-4E2A-AD52-E867674104CA}" type="datetimeFigureOut">
               <a:rPr lang="en-PH" smtClean="0"/>
-              <a:t>20/11/2022</a:t>
+              <a:t>21/11/2022</a:t>
             </a:fld>
             <a:endParaRPr lang="en-PH"/>
           </a:p>
@@ -2258,7 +2258,7 @@
           <a:p>
             <a:fld id="{E103EE1B-1EEB-4E2A-AD52-E867674104CA}" type="datetimeFigureOut">
               <a:rPr lang="en-PH" smtClean="0"/>
-              <a:t>20/11/2022</a:t>
+              <a:t>21/11/2022</a:t>
             </a:fld>
             <a:endParaRPr lang="en-PH"/>
           </a:p>
@@ -2353,7 +2353,7 @@
           <a:p>
             <a:fld id="{E103EE1B-1EEB-4E2A-AD52-E867674104CA}" type="datetimeFigureOut">
               <a:rPr lang="en-PH" smtClean="0"/>
-              <a:t>20/11/2022</a:t>
+              <a:t>21/11/2022</a:t>
             </a:fld>
             <a:endParaRPr lang="en-PH"/>
           </a:p>
@@ -2710,7 +2710,7 @@
           <a:p>
             <a:fld id="{E103EE1B-1EEB-4E2A-AD52-E867674104CA}" type="datetimeFigureOut">
               <a:rPr lang="en-PH" smtClean="0"/>
-              <a:t>20/11/2022</a:t>
+              <a:t>21/11/2022</a:t>
             </a:fld>
             <a:endParaRPr lang="en-PH"/>
           </a:p>
@@ -3067,7 +3067,7 @@
           <a:p>
             <a:fld id="{E103EE1B-1EEB-4E2A-AD52-E867674104CA}" type="datetimeFigureOut">
               <a:rPr lang="en-PH" smtClean="0"/>
-              <a:t>20/11/2022</a:t>
+              <a:t>21/11/2022</a:t>
             </a:fld>
             <a:endParaRPr lang="en-PH"/>
           </a:p>
@@ -3309,7 +3309,7 @@
           <a:p>
             <a:fld id="{E103EE1B-1EEB-4E2A-AD52-E867674104CA}" type="datetimeFigureOut">
               <a:rPr lang="en-PH" smtClean="0"/>
-              <a:t>20/11/2022</a:t>
+              <a:t>21/11/2022</a:t>
             </a:fld>
             <a:endParaRPr lang="en-PH"/>
           </a:p>
@@ -3941,7 +3941,7 @@
         </p:nvSpPr>
         <p:spPr>
           <a:xfrm>
-            <a:off x="2231136" y="477803"/>
+            <a:off x="2231136" y="161714"/>
             <a:ext cx="7729728" cy="757230"/>
           </a:xfrm>
         </p:spPr>
@@ -3959,10 +3959,10 @@
       </p:sp>
       <p:pic>
         <p:nvPicPr>
-          <p:cNvPr id="5" name="Picture 4">
+          <p:cNvPr id="7" name="Picture 6">
             <a:extLst>
               <a:ext uri="{FF2B5EF4-FFF2-40B4-BE49-F238E27FC236}">
-                <a16:creationId xmlns:a16="http://schemas.microsoft.com/office/drawing/2014/main" id="{BF60BAE6-D0BC-3680-A92C-EC4E29C81432}"/>
+                <a16:creationId xmlns:a16="http://schemas.microsoft.com/office/drawing/2014/main" id="{58323525-B4C4-BB07-52B4-3F2061B3D99D}"/>
               </a:ext>
             </a:extLst>
           </p:cNvPr>
@@ -3985,8 +3985,8 @@
         </p:blipFill>
         <p:spPr>
           <a:xfrm>
-            <a:off x="2566825" y="1569729"/>
-            <a:ext cx="7058350" cy="4810468"/>
+            <a:off x="2056482" y="1117460"/>
+            <a:ext cx="8079035" cy="5578826"/>
           </a:xfrm>
           <a:prstGeom prst="rect">
             <a:avLst/>
@@ -7990,6 +7990,108 @@
       </p:grpSpPr>
       <p:sp>
         <p:nvSpPr>
+          <p:cNvPr id="2" name="Title 1">
+            <a:extLst>
+              <a:ext uri="{FF2B5EF4-FFF2-40B4-BE49-F238E27FC236}">
+                <a16:creationId xmlns:a16="http://schemas.microsoft.com/office/drawing/2014/main" id="{E175DD39-2EDC-3B7B-619B-1A9C663E08F4}"/>
+              </a:ext>
+            </a:extLst>
+          </p:cNvPr>
+          <p:cNvSpPr>
+            <a:spLocks noGrp="1"/>
+          </p:cNvSpPr>
+          <p:nvPr>
+            <p:ph type="title"/>
+          </p:nvPr>
+        </p:nvSpPr>
+        <p:spPr/>
+        <p:txBody>
+          <a:bodyPr/>
+          <a:lstStyle/>
+          <a:p>
+            <a:r>
+              <a:rPr lang="en-US" dirty="0"/>
+              <a:t>Project scope</a:t>
+            </a:r>
+            <a:endParaRPr lang="en-PH" dirty="0"/>
+          </a:p>
+        </p:txBody>
+      </p:sp>
+      <p:sp>
+        <p:nvSpPr>
+          <p:cNvPr id="3" name="Content Placeholder 2">
+            <a:extLst>
+              <a:ext uri="{FF2B5EF4-FFF2-40B4-BE49-F238E27FC236}">
+                <a16:creationId xmlns:a16="http://schemas.microsoft.com/office/drawing/2014/main" id="{BAB2F2AF-4F56-0E86-62AA-E7339101A597}"/>
+              </a:ext>
+            </a:extLst>
+          </p:cNvPr>
+          <p:cNvSpPr>
+            <a:spLocks noGrp="1"/>
+          </p:cNvSpPr>
+          <p:nvPr>
+            <p:ph idx="1"/>
+          </p:nvPr>
+        </p:nvSpPr>
+        <p:spPr/>
+        <p:txBody>
+          <a:bodyPr>
+            <a:normAutofit/>
+          </a:bodyPr>
+          <a:lstStyle/>
+          <a:p>
+            <a:r>
+              <a:rPr lang="en-US" sz="2000" dirty="0"/>
+              <a:t>This system creates student and department QR Codes for daily use.  These QR Codes have a URL that can be used to get to their own webpage. Once there, a PIN keeps people from getting in without permission.</a:t>
+            </a:r>
+          </a:p>
+          <a:p>
+            <a:r>
+              <a:rPr lang="en-US" sz="2000" dirty="0"/>
+              <a:t>The system manages student clearance as well as student violations.</a:t>
+            </a:r>
+          </a:p>
+          <a:p>
+            <a:r>
+              <a:rPr lang="en-US" sz="2000" dirty="0"/>
+              <a:t>This will be exclusive to students enrolled in BSCS4A at Concepcion Holy Cross College Inc.; it will not be extended to students at other college departments.</a:t>
+            </a:r>
+            <a:endParaRPr lang="en-PH" sz="2000" dirty="0"/>
+          </a:p>
+        </p:txBody>
+      </p:sp>
+    </p:spTree>
+    <p:extLst>
+      <p:ext uri="{BB962C8B-B14F-4D97-AF65-F5344CB8AC3E}">
+        <p14:creationId xmlns:p14="http://schemas.microsoft.com/office/powerpoint/2010/main" val="3578620570"/>
+      </p:ext>
+    </p:extLst>
+  </p:cSld>
+  <p:clrMapOvr>
+    <a:masterClrMapping/>
+  </p:clrMapOvr>
+</p:sld>
+</file>
+
+<file path=ppt/slides/slide8.xml><?xml version="1.0" encoding="utf-8"?>
+<p:sld xmlns:a="http://schemas.openxmlformats.org/drawingml/2006/main" xmlns:r="http://schemas.openxmlformats.org/officeDocument/2006/relationships" xmlns:p="http://schemas.openxmlformats.org/presentationml/2006/main">
+  <p:cSld>
+    <p:spTree>
+      <p:nvGrpSpPr>
+        <p:cNvPr id="1" name=""/>
+        <p:cNvGrpSpPr/>
+        <p:nvPr/>
+      </p:nvGrpSpPr>
+      <p:grpSpPr>
+        <a:xfrm>
+          <a:off x="0" y="0"/>
+          <a:ext cx="0" cy="0"/>
+          <a:chOff x="0" y="0"/>
+          <a:chExt cx="0" cy="0"/>
+        </a:xfrm>
+      </p:grpSpPr>
+      <p:sp>
+        <p:nvSpPr>
           <p:cNvPr id="2" name="Title 1"/>
           <p:cNvSpPr>
             <a:spLocks noGrp="1"/>
@@ -11048,108 +11150,6 @@
     <p:extLst>
       <p:ext uri="{BB962C8B-B14F-4D97-AF65-F5344CB8AC3E}">
         <p14:creationId xmlns:p14="http://schemas.microsoft.com/office/powerpoint/2010/main" val="472058239"/>
-      </p:ext>
-    </p:extLst>
-  </p:cSld>
-  <p:clrMapOvr>
-    <a:masterClrMapping/>
-  </p:clrMapOvr>
-</p:sld>
-</file>
-
-<file path=ppt/slides/slide8.xml><?xml version="1.0" encoding="utf-8"?>
-<p:sld xmlns:a="http://schemas.openxmlformats.org/drawingml/2006/main" xmlns:r="http://schemas.openxmlformats.org/officeDocument/2006/relationships" xmlns:p="http://schemas.openxmlformats.org/presentationml/2006/main">
-  <p:cSld>
-    <p:spTree>
-      <p:nvGrpSpPr>
-        <p:cNvPr id="1" name=""/>
-        <p:cNvGrpSpPr/>
-        <p:nvPr/>
-      </p:nvGrpSpPr>
-      <p:grpSpPr>
-        <a:xfrm>
-          <a:off x="0" y="0"/>
-          <a:ext cx="0" cy="0"/>
-          <a:chOff x="0" y="0"/>
-          <a:chExt cx="0" cy="0"/>
-        </a:xfrm>
-      </p:grpSpPr>
-      <p:sp>
-        <p:nvSpPr>
-          <p:cNvPr id="2" name="Title 1">
-            <a:extLst>
-              <a:ext uri="{FF2B5EF4-FFF2-40B4-BE49-F238E27FC236}">
-                <a16:creationId xmlns:a16="http://schemas.microsoft.com/office/drawing/2014/main" id="{E175DD39-2EDC-3B7B-619B-1A9C663E08F4}"/>
-              </a:ext>
-            </a:extLst>
-          </p:cNvPr>
-          <p:cNvSpPr>
-            <a:spLocks noGrp="1"/>
-          </p:cNvSpPr>
-          <p:nvPr>
-            <p:ph type="title"/>
-          </p:nvPr>
-        </p:nvSpPr>
-        <p:spPr/>
-        <p:txBody>
-          <a:bodyPr/>
-          <a:lstStyle/>
-          <a:p>
-            <a:r>
-              <a:rPr lang="en-US" dirty="0"/>
-              <a:t>Project scope</a:t>
-            </a:r>
-            <a:endParaRPr lang="en-PH" dirty="0"/>
-          </a:p>
-        </p:txBody>
-      </p:sp>
-      <p:sp>
-        <p:nvSpPr>
-          <p:cNvPr id="3" name="Content Placeholder 2">
-            <a:extLst>
-              <a:ext uri="{FF2B5EF4-FFF2-40B4-BE49-F238E27FC236}">
-                <a16:creationId xmlns:a16="http://schemas.microsoft.com/office/drawing/2014/main" id="{BAB2F2AF-4F56-0E86-62AA-E7339101A597}"/>
-              </a:ext>
-            </a:extLst>
-          </p:cNvPr>
-          <p:cNvSpPr>
-            <a:spLocks noGrp="1"/>
-          </p:cNvSpPr>
-          <p:nvPr>
-            <p:ph idx="1"/>
-          </p:nvPr>
-        </p:nvSpPr>
-        <p:spPr/>
-        <p:txBody>
-          <a:bodyPr>
-            <a:normAutofit/>
-          </a:bodyPr>
-          <a:lstStyle/>
-          <a:p>
-            <a:r>
-              <a:rPr lang="en-US" sz="2000" dirty="0"/>
-              <a:t>This system creates student and department QR Codes for daily use.  These QR Codes have a URL that can be used to get to their own webpage. Once there, a PIN keeps people from getting in without permission.</a:t>
-            </a:r>
-          </a:p>
-          <a:p>
-            <a:r>
-              <a:rPr lang="en-US" sz="2000" dirty="0"/>
-              <a:t>The system manages student clearance as well as student violations.</a:t>
-            </a:r>
-          </a:p>
-          <a:p>
-            <a:r>
-              <a:rPr lang="en-US" sz="2000" dirty="0"/>
-              <a:t>This will be exclusive to students enrolled in BSCS4A at Concepcion Holy Cross College Inc.; it will not be extended to students at other college departments.</a:t>
-            </a:r>
-            <a:endParaRPr lang="en-PH" sz="2000" dirty="0"/>
-          </a:p>
-        </p:txBody>
-      </p:sp>
-    </p:spTree>
-    <p:extLst>
-      <p:ext uri="{BB962C8B-B14F-4D97-AF65-F5344CB8AC3E}">
-        <p14:creationId xmlns:p14="http://schemas.microsoft.com/office/powerpoint/2010/main" val="3578620570"/>
       </p:ext>
     </p:extLst>
   </p:cSld>
